--- a/стимулир интереса.pptx
+++ b/стимулир интереса.pptx
@@ -124,7 +124,7 @@
   </p:defaultTextStyle>
   <p:extLst>
     <p:ext uri="{EFAFB233-063F-42B5-8137-9DF3F51BA10A}">
-      <p15:sldGuideLst xmlns:p15="http://schemas.microsoft.com/office/powerpoint/2012/main"/>
+      <p15:sldGuideLst xmlns:p15="http://schemas.microsoft.com/office/powerpoint/2012/main" xmlns=""/>
     </p:ext>
   </p:extLst>
 </p:presentation>
@@ -261,7 +261,7 @@
           <a:p>
             <a:fld id="{DE99E8E2-E50C-40D7-943A-FCF99DB90231}" type="datetimeFigureOut">
               <a:rPr lang="ru-RU" smtClean="0"/>
-              <a:t>19.03.2017</a:t>
+              <a:t>22.03.2017</a:t>
             </a:fld>
             <a:endParaRPr lang="ru-RU"/>
           </a:p>
@@ -431,7 +431,7 @@
           <a:p>
             <a:fld id="{DE99E8E2-E50C-40D7-943A-FCF99DB90231}" type="datetimeFigureOut">
               <a:rPr lang="ru-RU" smtClean="0"/>
-              <a:t>19.03.2017</a:t>
+              <a:t>22.03.2017</a:t>
             </a:fld>
             <a:endParaRPr lang="ru-RU"/>
           </a:p>
@@ -611,7 +611,7 @@
           <a:p>
             <a:fld id="{DE99E8E2-E50C-40D7-943A-FCF99DB90231}" type="datetimeFigureOut">
               <a:rPr lang="ru-RU" smtClean="0"/>
-              <a:t>19.03.2017</a:t>
+              <a:t>22.03.2017</a:t>
             </a:fld>
             <a:endParaRPr lang="ru-RU"/>
           </a:p>
@@ -781,7 +781,7 @@
           <a:p>
             <a:fld id="{DE99E8E2-E50C-40D7-943A-FCF99DB90231}" type="datetimeFigureOut">
               <a:rPr lang="ru-RU" smtClean="0"/>
-              <a:t>19.03.2017</a:t>
+              <a:t>22.03.2017</a:t>
             </a:fld>
             <a:endParaRPr lang="ru-RU"/>
           </a:p>
@@ -1027,7 +1027,7 @@
           <a:p>
             <a:fld id="{DE99E8E2-E50C-40D7-943A-FCF99DB90231}" type="datetimeFigureOut">
               <a:rPr lang="ru-RU" smtClean="0"/>
-              <a:t>19.03.2017</a:t>
+              <a:t>22.03.2017</a:t>
             </a:fld>
             <a:endParaRPr lang="ru-RU"/>
           </a:p>
@@ -1259,7 +1259,7 @@
           <a:p>
             <a:fld id="{DE99E8E2-E50C-40D7-943A-FCF99DB90231}" type="datetimeFigureOut">
               <a:rPr lang="ru-RU" smtClean="0"/>
-              <a:t>19.03.2017</a:t>
+              <a:t>22.03.2017</a:t>
             </a:fld>
             <a:endParaRPr lang="ru-RU"/>
           </a:p>
@@ -1626,7 +1626,7 @@
           <a:p>
             <a:fld id="{DE99E8E2-E50C-40D7-943A-FCF99DB90231}" type="datetimeFigureOut">
               <a:rPr lang="ru-RU" smtClean="0"/>
-              <a:t>19.03.2017</a:t>
+              <a:t>22.03.2017</a:t>
             </a:fld>
             <a:endParaRPr lang="ru-RU"/>
           </a:p>
@@ -1744,7 +1744,7 @@
           <a:p>
             <a:fld id="{DE99E8E2-E50C-40D7-943A-FCF99DB90231}" type="datetimeFigureOut">
               <a:rPr lang="ru-RU" smtClean="0"/>
-              <a:t>19.03.2017</a:t>
+              <a:t>22.03.2017</a:t>
             </a:fld>
             <a:endParaRPr lang="ru-RU"/>
           </a:p>
@@ -1839,7 +1839,7 @@
           <a:p>
             <a:fld id="{DE99E8E2-E50C-40D7-943A-FCF99DB90231}" type="datetimeFigureOut">
               <a:rPr lang="ru-RU" smtClean="0"/>
-              <a:t>19.03.2017</a:t>
+              <a:t>22.03.2017</a:t>
             </a:fld>
             <a:endParaRPr lang="ru-RU"/>
           </a:p>
@@ -2116,7 +2116,7 @@
           <a:p>
             <a:fld id="{DE99E8E2-E50C-40D7-943A-FCF99DB90231}" type="datetimeFigureOut">
               <a:rPr lang="ru-RU" smtClean="0"/>
-              <a:t>19.03.2017</a:t>
+              <a:t>22.03.2017</a:t>
             </a:fld>
             <a:endParaRPr lang="ru-RU"/>
           </a:p>
@@ -2369,7 +2369,7 @@
           <a:p>
             <a:fld id="{DE99E8E2-E50C-40D7-943A-FCF99DB90231}" type="datetimeFigureOut">
               <a:rPr lang="ru-RU" smtClean="0"/>
-              <a:t>19.03.2017</a:t>
+              <a:t>22.03.2017</a:t>
             </a:fld>
             <a:endParaRPr lang="ru-RU"/>
           </a:p>
@@ -2582,7 +2582,7 @@
           <a:p>
             <a:fld id="{DE99E8E2-E50C-40D7-943A-FCF99DB90231}" type="datetimeFigureOut">
               <a:rPr lang="ru-RU" smtClean="0"/>
-              <a:t>19.03.2017</a:t>
+              <a:t>22.03.2017</a:t>
             </a:fld>
             <a:endParaRPr lang="ru-RU"/>
           </a:p>
@@ -3104,10 +3104,6 @@
               </a:rPr>
               <a:t>.</a:t>
             </a:r>
-            <a:endParaRPr lang="ru-RU" dirty="0">
-              <a:latin typeface="Times New Roman" panose="02020603050405020304" pitchFamily="18" charset="0"/>
-              <a:cs typeface="Times New Roman" panose="02020603050405020304" pitchFamily="18" charset="0"/>
-            </a:endParaRPr>
           </a:p>
         </p:txBody>
       </p:sp>
@@ -3698,10 +3694,6 @@
               </a:rPr>
               <a:t>;</a:t>
             </a:r>
-            <a:endParaRPr lang="ru-RU" sz="2000" dirty="0">
-              <a:latin typeface="Times New Roman" panose="02020603050405020304" pitchFamily="18" charset="0"/>
-              <a:cs typeface="Times New Roman" panose="02020603050405020304" pitchFamily="18" charset="0"/>
-            </a:endParaRPr>
           </a:p>
         </p:txBody>
       </p:sp>
@@ -4702,9 +4694,47 @@
           <a:chExt cx="0" cy="0"/>
         </a:xfrm>
       </p:grpSpPr>
+      <p:sp>
+        <p:nvSpPr>
+          <p:cNvPr id="2" name="Заголовок 1"/>
+          <p:cNvSpPr>
+            <a:spLocks noGrp="1"/>
+          </p:cNvSpPr>
+          <p:nvPr>
+            <p:ph type="title"/>
+          </p:nvPr>
+        </p:nvSpPr>
+        <p:spPr/>
+        <p:txBody>
+          <a:bodyPr/>
+          <a:lstStyle/>
+          <a:p>
+            <a:endParaRPr lang="ru-RU"/>
+          </a:p>
+        </p:txBody>
+      </p:sp>
+      <p:sp>
+        <p:nvSpPr>
+          <p:cNvPr id="3" name="Объект 2"/>
+          <p:cNvSpPr>
+            <a:spLocks noGrp="1"/>
+          </p:cNvSpPr>
+          <p:nvPr>
+            <p:ph idx="1"/>
+          </p:nvPr>
+        </p:nvSpPr>
+        <p:spPr/>
+        <p:txBody>
+          <a:bodyPr/>
+          <a:lstStyle/>
+          <a:p>
+            <a:endParaRPr lang="ru-RU"/>
+          </a:p>
+        </p:txBody>
+      </p:sp>
       <p:pic>
         <p:nvPicPr>
-          <p:cNvPr id="8194" name="Picture 2" descr="https://im0-tub-by.yandex.net/i?id=ce60654644c783311da8cc0a70652fd6-l&amp;n=13"/>
+          <p:cNvPr id="1026" name="Picture 2" descr="C:\Users\dostanko\Pictures\Безымянный.png"/>
           <p:cNvPicPr>
             <a:picLocks noChangeAspect="1" noChangeArrowheads="1"/>
           </p:cNvPicPr>
@@ -4725,8 +4755,8 @@
         </p:blipFill>
         <p:spPr bwMode="auto">
           <a:xfrm>
-            <a:off x="1367687" y="175326"/>
-            <a:ext cx="8733243" cy="6549933"/>
+            <a:off x="576746" y="483808"/>
+            <a:ext cx="10958102" cy="5802691"/>
           </a:xfrm>
           <a:prstGeom prst="rect">
             <a:avLst/>
@@ -4746,20 +4776,13 @@
     </p:spTree>
     <p:extLst>
       <p:ext uri="{BB962C8B-B14F-4D97-AF65-F5344CB8AC3E}">
-        <p14:creationId xmlns:p14="http://schemas.microsoft.com/office/powerpoint/2010/main" val="3423462346"/>
+        <p14:creationId xmlns:p14="http://schemas.microsoft.com/office/powerpoint/2010/main" val="294401742"/>
       </p:ext>
     </p:extLst>
   </p:cSld>
   <p:clrMapOvr>
     <a:masterClrMapping/>
   </p:clrMapOvr>
-  <p:timing>
-    <p:tnLst>
-      <p:par>
-        <p:cTn id="1" dur="indefinite" restart="never" nodeType="tmRoot"/>
-      </p:par>
-    </p:tnLst>
-  </p:timing>
 </p:sld>
 </file>
 
@@ -6448,7 +6471,7 @@
     </a:clrScheme>
     <a:fontScheme name="Стандартная">
       <a:majorFont>
-        <a:latin typeface="Calibri Light" panose="020F0302020204030204"/>
+        <a:latin typeface="Calibri Light"/>
         <a:ea typeface=""/>
         <a:cs typeface=""/>
         <a:font script="Jpan" typeface="ＭＳ Ｐゴシック"/>
@@ -6483,7 +6506,7 @@
         <a:font script="Geor" typeface="Sylfaen"/>
       </a:majorFont>
       <a:minorFont>
-        <a:latin typeface="Calibri" panose="020F0502020204030204"/>
+        <a:latin typeface="Calibri"/>
         <a:ea typeface=""/>
         <a:cs typeface=""/>
         <a:font script="Jpan" typeface="ＭＳ Ｐゴシック"/>
@@ -6660,7 +6683,7 @@
   <a:extraClrSchemeLst/>
   <a:extLst>
     <a:ext uri="{05A4C25C-085E-4340-85A3-A5531E510DB2}">
-      <thm15:themeFamily xmlns:thm15="http://schemas.microsoft.com/office/thememl/2012/main" name="Office Theme" id="{62F939B6-93AF-4DB8-9C6B-D6C7DFDC589F}" vid="{4A3C46E8-61CC-4603-A589-7422A47A8E4A}"/>
+      <thm15:themeFamily xmlns:thm15="http://schemas.microsoft.com/office/thememl/2012/main" xmlns="" name="Office Theme" id="{62F939B6-93AF-4DB8-9C6B-D6C7DFDC589F}" vid="{4A3C46E8-61CC-4603-A589-7422A47A8E4A}"/>
     </a:ext>
   </a:extLst>
 </a:theme>
